--- a/Unit3/Ben_goodwin_live_Session_3.pptx
+++ b/Unit3/Ben_goodwin_live_Session_3.pptx
@@ -37,22 +37,27 @@
     <p:sldId id="405" r:id="rId31"/>
     <p:sldId id="411" r:id="rId32"/>
     <p:sldId id="257" r:id="rId33"/>
-    <p:sldId id="262" r:id="rId34"/>
-    <p:sldId id="258" r:id="rId35"/>
-    <p:sldId id="433" r:id="rId36"/>
-    <p:sldId id="431" r:id="rId37"/>
-    <p:sldId id="430" r:id="rId38"/>
-    <p:sldId id="421" r:id="rId39"/>
-    <p:sldId id="422" r:id="rId40"/>
-    <p:sldId id="423" r:id="rId41"/>
-    <p:sldId id="424" r:id="rId42"/>
-    <p:sldId id="425" r:id="rId43"/>
-    <p:sldId id="429" r:id="rId44"/>
-    <p:sldId id="426" r:id="rId45"/>
-    <p:sldId id="457" r:id="rId46"/>
-    <p:sldId id="261" r:id="rId47"/>
-    <p:sldId id="462" r:id="rId48"/>
-    <p:sldId id="463" r:id="rId49"/>
+    <p:sldId id="469" r:id="rId34"/>
+    <p:sldId id="472" r:id="rId35"/>
+    <p:sldId id="470" r:id="rId36"/>
+    <p:sldId id="471" r:id="rId37"/>
+    <p:sldId id="262" r:id="rId38"/>
+    <p:sldId id="473" r:id="rId39"/>
+    <p:sldId id="258" r:id="rId40"/>
+    <p:sldId id="433" r:id="rId41"/>
+    <p:sldId id="431" r:id="rId42"/>
+    <p:sldId id="430" r:id="rId43"/>
+    <p:sldId id="421" r:id="rId44"/>
+    <p:sldId id="422" r:id="rId45"/>
+    <p:sldId id="423" r:id="rId46"/>
+    <p:sldId id="424" r:id="rId47"/>
+    <p:sldId id="425" r:id="rId48"/>
+    <p:sldId id="429" r:id="rId49"/>
+    <p:sldId id="426" r:id="rId50"/>
+    <p:sldId id="457" r:id="rId51"/>
+    <p:sldId id="261" r:id="rId52"/>
+    <p:sldId id="462" r:id="rId53"/>
+    <p:sldId id="463" r:id="rId54"/>
   </p:sldIdLst>
   <p:sldSz cx="9144000" cy="6858000" type="screen4x3"/>
   <p:notesSz cx="6858000" cy="9144000"/>
@@ -229,6 +234,34 @@
           <inkml:channelProperty channel="Y" name="resolution" value="1000" units="1/cm"/>
         </inkml:channelProperties>
       </inkml:inkSource>
+      <inkml:timestamp xml:id="ts0" timeString="2020-09-04T14:18:56.540"/>
+    </inkml:context>
+    <inkml:brush xml:id="br0">
+      <inkml:brushProperty name="width" value="0.4" units="cm"/>
+      <inkml:brushProperty name="height" value="0.8" units="cm"/>
+      <inkml:brushProperty name="color" value="#00F900"/>
+      <inkml:brushProperty name="tip" value="rectangle"/>
+      <inkml:brushProperty name="rasterOp" value="maskPen"/>
+    </inkml:brush>
+  </inkml:definitions>
+  <inkml:trace contextRef="#ctx0" brushRef="#br0">0 1,'55'0,"-8"0,-27 0,-7 0,17 0,-17 0,12 0,-4 0,-6 0,12 0,-4 0,-3 0,4 0,-9 0,7 0,0 0,-3 0,3 0,-3 0,4 0,-4 0,3 0,-2 0,0 0,2 0,1 0,-6 0,8 0,-7 0,2 0,6 0,-5 0</inkml:trace>
+</inkml:ink>
+</file>
+
+<file path=ppt/ink/ink4.xml><?xml version="1.0" encoding="utf-8"?>
+<inkml:ink xmlns:inkml="http://www.w3.org/2003/InkML">
+  <inkml:definitions>
+    <inkml:context xml:id="ctx0">
+      <inkml:inkSource xml:id="inkSrc0">
+        <inkml:traceFormat>
+          <inkml:channel name="X" type="integer" min="-2.14748E9" max="2.14748E9" units="cm"/>
+          <inkml:channel name="Y" type="integer" min="-2.14748E9" max="2.14748E9" units="cm"/>
+        </inkml:traceFormat>
+        <inkml:channelProperties>
+          <inkml:channelProperty channel="X" name="resolution" value="1000" units="1/cm"/>
+          <inkml:channelProperty channel="Y" name="resolution" value="1000" units="1/cm"/>
+        </inkml:channelProperties>
+      </inkml:inkSource>
       <inkml:timestamp xml:id="ts0" timeString="2020-09-03T03:07:12.068"/>
     </inkml:context>
     <inkml:brush xml:id="br0">
@@ -243,7 +276,7 @@
 </inkml:ink>
 </file>
 
-<file path=ppt/ink/ink4.xml><?xml version="1.0" encoding="utf-8"?>
+<file path=ppt/ink/ink5.xml><?xml version="1.0" encoding="utf-8"?>
 <inkml:ink xmlns:inkml="http://www.w3.org/2003/InkML">
   <inkml:definitions>
     <inkml:context xml:id="ctx0">
@@ -402,7 +435,7 @@
           <a:p>
             <a:fld id="{B3E4D821-6D1C-7A49-8EDA-BA8E2EF93F62}" type="datetimeFigureOut">
               <a:rPr lang="en-US" smtClean="0"/>
-              <a:t>9/2/20</a:t>
+              <a:t>9/4/2020</a:t>
             </a:fld>
             <a:endParaRPr lang="en-US"/>
           </a:p>
@@ -572,7 +605,7 @@
           <a:p>
             <a:fld id="{B3E4D821-6D1C-7A49-8EDA-BA8E2EF93F62}" type="datetimeFigureOut">
               <a:rPr lang="en-US" smtClean="0"/>
-              <a:t>9/2/20</a:t>
+              <a:t>9/4/2020</a:t>
             </a:fld>
             <a:endParaRPr lang="en-US"/>
           </a:p>
@@ -752,7 +785,7 @@
           <a:p>
             <a:fld id="{B3E4D821-6D1C-7A49-8EDA-BA8E2EF93F62}" type="datetimeFigureOut">
               <a:rPr lang="en-US" smtClean="0"/>
-              <a:t>9/2/20</a:t>
+              <a:t>9/4/2020</a:t>
             </a:fld>
             <a:endParaRPr lang="en-US"/>
           </a:p>
@@ -922,7 +955,7 @@
           <a:p>
             <a:fld id="{B3E4D821-6D1C-7A49-8EDA-BA8E2EF93F62}" type="datetimeFigureOut">
               <a:rPr lang="en-US" smtClean="0"/>
-              <a:t>9/2/20</a:t>
+              <a:t>9/4/2020</a:t>
             </a:fld>
             <a:endParaRPr lang="en-US"/>
           </a:p>
@@ -1166,7 +1199,7 @@
           <a:p>
             <a:fld id="{B3E4D821-6D1C-7A49-8EDA-BA8E2EF93F62}" type="datetimeFigureOut">
               <a:rPr lang="en-US" smtClean="0"/>
-              <a:t>9/2/20</a:t>
+              <a:t>9/4/2020</a:t>
             </a:fld>
             <a:endParaRPr lang="en-US"/>
           </a:p>
@@ -1398,7 +1431,7 @@
           <a:p>
             <a:fld id="{B3E4D821-6D1C-7A49-8EDA-BA8E2EF93F62}" type="datetimeFigureOut">
               <a:rPr lang="en-US" smtClean="0"/>
-              <a:t>9/2/20</a:t>
+              <a:t>9/4/2020</a:t>
             </a:fld>
             <a:endParaRPr lang="en-US"/>
           </a:p>
@@ -1765,7 +1798,7 @@
           <a:p>
             <a:fld id="{B3E4D821-6D1C-7A49-8EDA-BA8E2EF93F62}" type="datetimeFigureOut">
               <a:rPr lang="en-US" smtClean="0"/>
-              <a:t>9/2/20</a:t>
+              <a:t>9/4/2020</a:t>
             </a:fld>
             <a:endParaRPr lang="en-US"/>
           </a:p>
@@ -1883,7 +1916,7 @@
           <a:p>
             <a:fld id="{B3E4D821-6D1C-7A49-8EDA-BA8E2EF93F62}" type="datetimeFigureOut">
               <a:rPr lang="en-US" smtClean="0"/>
-              <a:t>9/2/20</a:t>
+              <a:t>9/4/2020</a:t>
             </a:fld>
             <a:endParaRPr lang="en-US"/>
           </a:p>
@@ -1978,7 +2011,7 @@
           <a:p>
             <a:fld id="{B3E4D821-6D1C-7A49-8EDA-BA8E2EF93F62}" type="datetimeFigureOut">
               <a:rPr lang="en-US" smtClean="0"/>
-              <a:t>9/2/20</a:t>
+              <a:t>9/4/2020</a:t>
             </a:fld>
             <a:endParaRPr lang="en-US"/>
           </a:p>
@@ -2255,7 +2288,7 @@
           <a:p>
             <a:fld id="{B3E4D821-6D1C-7A49-8EDA-BA8E2EF93F62}" type="datetimeFigureOut">
               <a:rPr lang="en-US" smtClean="0"/>
-              <a:t>9/2/20</a:t>
+              <a:t>9/4/2020</a:t>
             </a:fld>
             <a:endParaRPr lang="en-US"/>
           </a:p>
@@ -2512,7 +2545,7 @@
           <a:p>
             <a:fld id="{B3E4D821-6D1C-7A49-8EDA-BA8E2EF93F62}" type="datetimeFigureOut">
               <a:rPr lang="en-US" smtClean="0"/>
-              <a:t>9/2/20</a:t>
+              <a:t>9/4/2020</a:t>
             </a:fld>
             <a:endParaRPr lang="en-US"/>
           </a:p>
@@ -2725,7 +2758,7 @@
           <a:p>
             <a:fld id="{B3E4D821-6D1C-7A49-8EDA-BA8E2EF93F62}" type="datetimeFigureOut">
               <a:rPr lang="en-US" smtClean="0"/>
-              <a:t>9/2/20</a:t>
+              <a:t>9/4/2020</a:t>
             </a:fld>
             <a:endParaRPr lang="en-US"/>
           </a:p>
@@ -3191,6 +3224,12 @@
             <a:r>
               <a:rPr lang="en-US" dirty="0"/>
               <a:t>Assumption of the T Test</a:t>
+            </a:r>
+          </a:p>
+          <a:p>
+            <a:r>
+              <a:rPr lang="en-US" dirty="0"/>
+              <a:t>Ben Goodwin</a:t>
             </a:r>
           </a:p>
         </p:txBody>
@@ -11967,6 +12006,499 @@
           <a:chExt cx="0" cy="0"/>
         </a:xfrm>
       </p:grpSpPr>
+      <p:sp>
+        <p:nvSpPr>
+          <p:cNvPr id="2" name="Title 1">
+            <a:extLst>
+              <a:ext uri="{FF2B5EF4-FFF2-40B4-BE49-F238E27FC236}">
+                <a16:creationId xmlns:a16="http://schemas.microsoft.com/office/drawing/2014/main" id="{AF0286A9-2573-4FAB-BCF9-B84BE7EEE30D}"/>
+              </a:ext>
+            </a:extLst>
+          </p:cNvPr>
+          <p:cNvSpPr>
+            <a:spLocks noGrp="1"/>
+          </p:cNvSpPr>
+          <p:nvPr>
+            <p:ph type="title"/>
+          </p:nvPr>
+        </p:nvSpPr>
+        <p:spPr/>
+        <p:txBody>
+          <a:bodyPr/>
+          <a:lstStyle/>
+          <a:p>
+            <a:r>
+              <a:rPr lang="en-US" dirty="0"/>
+              <a:t>Question 1 Part A</a:t>
+            </a:r>
+          </a:p>
+        </p:txBody>
+      </p:sp>
+      <p:sp>
+        <p:nvSpPr>
+          <p:cNvPr id="3" name="Content Placeholder 2">
+            <a:extLst>
+              <a:ext uri="{FF2B5EF4-FFF2-40B4-BE49-F238E27FC236}">
+                <a16:creationId xmlns:a16="http://schemas.microsoft.com/office/drawing/2014/main" id="{D431F9A4-DB1D-4D02-91FE-DDD288E8447B}"/>
+              </a:ext>
+            </a:extLst>
+          </p:cNvPr>
+          <p:cNvSpPr>
+            <a:spLocks noGrp="1"/>
+          </p:cNvSpPr>
+          <p:nvPr>
+            <p:ph idx="1"/>
+          </p:nvPr>
+        </p:nvSpPr>
+        <p:spPr/>
+        <p:txBody>
+          <a:bodyPr/>
+          <a:lstStyle/>
+          <a:p>
+            <a:r>
+              <a:rPr lang="en-US" dirty="0"/>
+              <a:t>It seems that the T-test is reasonable to undertake given the data.</a:t>
+            </a:r>
+          </a:p>
+          <a:p>
+            <a:r>
+              <a:rPr lang="en-US" dirty="0"/>
+              <a:t>The data appears to be normally distributed based on the QQ-plots</a:t>
+            </a:r>
+          </a:p>
+          <a:p>
+            <a:r>
+              <a:rPr lang="en-US" dirty="0"/>
+              <a:t>The data appears to have nearly equal standard deviations.  The distributions appear to have normal standard deviations.</a:t>
+            </a:r>
+          </a:p>
+          <a:p>
+            <a:r>
+              <a:rPr lang="en-US" dirty="0"/>
+              <a:t>The data can be assumed to be independent (independent observations).</a:t>
+            </a:r>
+          </a:p>
+        </p:txBody>
+      </p:sp>
+    </p:spTree>
+    <p:extLst>
+      <p:ext uri="{BB962C8B-B14F-4D97-AF65-F5344CB8AC3E}">
+        <p14:creationId xmlns:p14="http://schemas.microsoft.com/office/powerpoint/2010/main" val="692176264"/>
+      </p:ext>
+    </p:extLst>
+  </p:cSld>
+  <p:clrMapOvr>
+    <a:masterClrMapping/>
+  </p:clrMapOvr>
+</p:sld>
+</file>
+
+<file path=ppt/slides/slide34.xml><?xml version="1.0" encoding="utf-8"?>
+<p:sld xmlns:a="http://schemas.openxmlformats.org/drawingml/2006/main" xmlns:r="http://schemas.openxmlformats.org/officeDocument/2006/relationships" xmlns:p="http://schemas.openxmlformats.org/presentationml/2006/main">
+  <p:cSld>
+    <p:spTree>
+      <p:nvGrpSpPr>
+        <p:cNvPr id="1" name=""/>
+        <p:cNvGrpSpPr/>
+        <p:nvPr/>
+      </p:nvGrpSpPr>
+      <p:grpSpPr>
+        <a:xfrm>
+          <a:off x="0" y="0"/>
+          <a:ext cx="0" cy="0"/>
+          <a:chOff x="0" y="0"/>
+          <a:chExt cx="0" cy="0"/>
+        </a:xfrm>
+      </p:grpSpPr>
+      <p:sp>
+        <p:nvSpPr>
+          <p:cNvPr id="2" name="Title 1">
+            <a:extLst>
+              <a:ext uri="{FF2B5EF4-FFF2-40B4-BE49-F238E27FC236}">
+                <a16:creationId xmlns:a16="http://schemas.microsoft.com/office/drawing/2014/main" id="{BFF4E643-41F9-4CC4-9FB9-4B35A037D4B0}"/>
+              </a:ext>
+            </a:extLst>
+          </p:cNvPr>
+          <p:cNvSpPr>
+            <a:spLocks noGrp="1"/>
+          </p:cNvSpPr>
+          <p:nvPr>
+            <p:ph type="title"/>
+          </p:nvPr>
+        </p:nvSpPr>
+        <p:spPr/>
+        <p:txBody>
+          <a:bodyPr/>
+          <a:lstStyle/>
+          <a:p>
+            <a:r>
+              <a:rPr lang="en-US" dirty="0"/>
+              <a:t>Question 1 Part A (SAS charts)</a:t>
+            </a:r>
+          </a:p>
+        </p:txBody>
+      </p:sp>
+      <p:sp>
+        <p:nvSpPr>
+          <p:cNvPr id="3" name="Content Placeholder 2">
+            <a:extLst>
+              <a:ext uri="{FF2B5EF4-FFF2-40B4-BE49-F238E27FC236}">
+                <a16:creationId xmlns:a16="http://schemas.microsoft.com/office/drawing/2014/main" id="{D570EFA1-BA07-4DB1-AA68-194B73E32B8B}"/>
+              </a:ext>
+            </a:extLst>
+          </p:cNvPr>
+          <p:cNvSpPr>
+            <a:spLocks noGrp="1"/>
+          </p:cNvSpPr>
+          <p:nvPr>
+            <p:ph idx="1"/>
+          </p:nvPr>
+        </p:nvSpPr>
+        <p:spPr/>
+        <p:txBody>
+          <a:bodyPr/>
+          <a:lstStyle/>
+          <a:p>
+            <a:endParaRPr lang="en-US"/>
+          </a:p>
+        </p:txBody>
+      </p:sp>
+    </p:spTree>
+    <p:extLst>
+      <p:ext uri="{BB962C8B-B14F-4D97-AF65-F5344CB8AC3E}">
+        <p14:creationId xmlns:p14="http://schemas.microsoft.com/office/powerpoint/2010/main" val="707471056"/>
+      </p:ext>
+    </p:extLst>
+  </p:cSld>
+  <p:clrMapOvr>
+    <a:masterClrMapping/>
+  </p:clrMapOvr>
+</p:sld>
+</file>
+
+<file path=ppt/slides/slide35.xml><?xml version="1.0" encoding="utf-8"?>
+<p:sld xmlns:a="http://schemas.openxmlformats.org/drawingml/2006/main" xmlns:r="http://schemas.openxmlformats.org/officeDocument/2006/relationships" xmlns:p="http://schemas.openxmlformats.org/presentationml/2006/main">
+  <p:cSld>
+    <p:spTree>
+      <p:nvGrpSpPr>
+        <p:cNvPr id="1" name=""/>
+        <p:cNvGrpSpPr/>
+        <p:nvPr/>
+      </p:nvGrpSpPr>
+      <p:grpSpPr>
+        <a:xfrm>
+          <a:off x="0" y="0"/>
+          <a:ext cx="0" cy="0"/>
+          <a:chOff x="0" y="0"/>
+          <a:chExt cx="0" cy="0"/>
+        </a:xfrm>
+      </p:grpSpPr>
+      <p:sp>
+        <p:nvSpPr>
+          <p:cNvPr id="2" name="Title 1">
+            <a:extLst>
+              <a:ext uri="{FF2B5EF4-FFF2-40B4-BE49-F238E27FC236}">
+                <a16:creationId xmlns:a16="http://schemas.microsoft.com/office/drawing/2014/main" id="{EA032B3C-F806-4794-BAC3-2513B4711682}"/>
+              </a:ext>
+            </a:extLst>
+          </p:cNvPr>
+          <p:cNvSpPr>
+            <a:spLocks noGrp="1"/>
+          </p:cNvSpPr>
+          <p:nvPr>
+            <p:ph type="title"/>
+          </p:nvPr>
+        </p:nvSpPr>
+        <p:spPr/>
+        <p:txBody>
+          <a:bodyPr/>
+          <a:lstStyle/>
+          <a:p>
+            <a:r>
+              <a:rPr lang="en-US" dirty="0"/>
+              <a:t>Question 1 Part B</a:t>
+            </a:r>
+          </a:p>
+        </p:txBody>
+      </p:sp>
+      <p:pic>
+        <p:nvPicPr>
+          <p:cNvPr id="5" name="Picture 4" descr="A picture containing drawing, clock&#10;&#10;Description automatically generated">
+            <a:extLst>
+              <a:ext uri="{FF2B5EF4-FFF2-40B4-BE49-F238E27FC236}">
+                <a16:creationId xmlns:a16="http://schemas.microsoft.com/office/drawing/2014/main" id="{E21DE236-6EDA-41CB-85D0-C2B11ED8DC78}"/>
+              </a:ext>
+            </a:extLst>
+          </p:cNvPr>
+          <p:cNvPicPr>
+            <a:picLocks noChangeAspect="1"/>
+          </p:cNvPicPr>
+          <p:nvPr/>
+        </p:nvPicPr>
+        <p:blipFill>
+          <a:blip r:embed="rId2"/>
+          <a:stretch>
+            <a:fillRect/>
+          </a:stretch>
+        </p:blipFill>
+        <p:spPr>
+          <a:xfrm>
+            <a:off x="5257263" y="1703728"/>
+            <a:ext cx="3015049" cy="4198484"/>
+          </a:xfrm>
+          <a:prstGeom prst="rect">
+            <a:avLst/>
+          </a:prstGeom>
+        </p:spPr>
+      </p:pic>
+      <p:pic>
+        <p:nvPicPr>
+          <p:cNvPr id="7" name="Picture 6" descr="A close up of a logo&#10;&#10;Description automatically generated">
+            <a:extLst>
+              <a:ext uri="{FF2B5EF4-FFF2-40B4-BE49-F238E27FC236}">
+                <a16:creationId xmlns:a16="http://schemas.microsoft.com/office/drawing/2014/main" id="{01D9D968-6E6A-4FF5-BDC6-6FEEFA8D991A}"/>
+              </a:ext>
+            </a:extLst>
+          </p:cNvPr>
+          <p:cNvPicPr>
+            <a:picLocks noChangeAspect="1"/>
+          </p:cNvPicPr>
+          <p:nvPr/>
+        </p:nvPicPr>
+        <p:blipFill>
+          <a:blip r:embed="rId3"/>
+          <a:stretch>
+            <a:fillRect/>
+          </a:stretch>
+        </p:blipFill>
+        <p:spPr>
+          <a:xfrm>
+            <a:off x="871688" y="1690689"/>
+            <a:ext cx="3015049" cy="4211523"/>
+          </a:xfrm>
+          <a:prstGeom prst="rect">
+            <a:avLst/>
+          </a:prstGeom>
+        </p:spPr>
+      </p:pic>
+    </p:spTree>
+    <p:extLst>
+      <p:ext uri="{BB962C8B-B14F-4D97-AF65-F5344CB8AC3E}">
+        <p14:creationId xmlns:p14="http://schemas.microsoft.com/office/powerpoint/2010/main" val="3241671257"/>
+      </p:ext>
+    </p:extLst>
+  </p:cSld>
+  <p:clrMapOvr>
+    <a:masterClrMapping/>
+  </p:clrMapOvr>
+</p:sld>
+</file>
+
+<file path=ppt/slides/slide36.xml><?xml version="1.0" encoding="utf-8"?>
+<p:sld xmlns:a="http://schemas.openxmlformats.org/drawingml/2006/main" xmlns:r="http://schemas.openxmlformats.org/officeDocument/2006/relationships" xmlns:p="http://schemas.openxmlformats.org/presentationml/2006/main">
+  <p:cSld>
+    <p:spTree>
+      <p:nvGrpSpPr>
+        <p:cNvPr id="1" name=""/>
+        <p:cNvGrpSpPr/>
+        <p:nvPr/>
+      </p:nvGrpSpPr>
+      <p:grpSpPr>
+        <a:xfrm>
+          <a:off x="0" y="0"/>
+          <a:ext cx="0" cy="0"/>
+          <a:chOff x="0" y="0"/>
+          <a:chExt cx="0" cy="0"/>
+        </a:xfrm>
+      </p:grpSpPr>
+      <p:sp>
+        <p:nvSpPr>
+          <p:cNvPr id="2" name="Title 1">
+            <a:extLst>
+              <a:ext uri="{FF2B5EF4-FFF2-40B4-BE49-F238E27FC236}">
+                <a16:creationId xmlns:a16="http://schemas.microsoft.com/office/drawing/2014/main" id="{C156937B-B022-473F-9425-212C42AA0789}"/>
+              </a:ext>
+            </a:extLst>
+          </p:cNvPr>
+          <p:cNvSpPr>
+            <a:spLocks noGrp="1"/>
+          </p:cNvSpPr>
+          <p:nvPr>
+            <p:ph type="title"/>
+          </p:nvPr>
+        </p:nvSpPr>
+        <p:spPr/>
+        <p:txBody>
+          <a:bodyPr/>
+          <a:lstStyle/>
+          <a:p>
+            <a:r>
+              <a:rPr lang="en-US" dirty="0"/>
+              <a:t>Question 1 Part B continued</a:t>
+            </a:r>
+          </a:p>
+        </p:txBody>
+      </p:sp>
+      <p:pic>
+        <p:nvPicPr>
+          <p:cNvPr id="5" name="Picture 4" descr="A screenshot of a cell phone&#10;&#10;Description automatically generated">
+            <a:extLst>
+              <a:ext uri="{FF2B5EF4-FFF2-40B4-BE49-F238E27FC236}">
+                <a16:creationId xmlns:a16="http://schemas.microsoft.com/office/drawing/2014/main" id="{CA7AA45E-8FF2-4102-8868-940366C64422}"/>
+              </a:ext>
+            </a:extLst>
+          </p:cNvPr>
+          <p:cNvPicPr>
+            <a:picLocks noChangeAspect="1"/>
+          </p:cNvPicPr>
+          <p:nvPr/>
+        </p:nvPicPr>
+        <p:blipFill>
+          <a:blip r:embed="rId2"/>
+          <a:stretch>
+            <a:fillRect/>
+          </a:stretch>
+        </p:blipFill>
+        <p:spPr>
+          <a:xfrm>
+            <a:off x="476271" y="1301024"/>
+            <a:ext cx="3372321" cy="5191850"/>
+          </a:xfrm>
+          <a:prstGeom prst="rect">
+            <a:avLst/>
+          </a:prstGeom>
+        </p:spPr>
+      </p:pic>
+      <p:pic>
+        <p:nvPicPr>
+          <p:cNvPr id="7" name="Picture 6" descr="A screenshot of a cell phone&#10;&#10;Description automatically generated">
+            <a:extLst>
+              <a:ext uri="{FF2B5EF4-FFF2-40B4-BE49-F238E27FC236}">
+                <a16:creationId xmlns:a16="http://schemas.microsoft.com/office/drawing/2014/main" id="{E6077F10-B3BA-46A7-BCB8-8ADD31CACC83}"/>
+              </a:ext>
+            </a:extLst>
+          </p:cNvPr>
+          <p:cNvPicPr>
+            <a:picLocks noChangeAspect="1"/>
+          </p:cNvPicPr>
+          <p:nvPr/>
+        </p:nvPicPr>
+        <p:blipFill>
+          <a:blip r:embed="rId3"/>
+          <a:stretch>
+            <a:fillRect/>
+          </a:stretch>
+        </p:blipFill>
+        <p:spPr>
+          <a:xfrm>
+            <a:off x="4726996" y="1301024"/>
+            <a:ext cx="3372321" cy="5191850"/>
+          </a:xfrm>
+          <a:prstGeom prst="rect">
+            <a:avLst/>
+          </a:prstGeom>
+        </p:spPr>
+      </p:pic>
+      <p:sp>
+        <p:nvSpPr>
+          <p:cNvPr id="8" name="TextBox 7">
+            <a:extLst>
+              <a:ext uri="{FF2B5EF4-FFF2-40B4-BE49-F238E27FC236}">
+                <a16:creationId xmlns:a16="http://schemas.microsoft.com/office/drawing/2014/main" id="{79DC9210-1326-473F-A6AD-0F7E5210F791}"/>
+              </a:ext>
+            </a:extLst>
+          </p:cNvPr>
+          <p:cNvSpPr txBox="1"/>
+          <p:nvPr/>
+        </p:nvSpPr>
+        <p:spPr>
+          <a:xfrm>
+            <a:off x="1500807" y="6308208"/>
+            <a:ext cx="2323070" cy="369332"/>
+          </a:xfrm>
+          <a:prstGeom prst="rect">
+            <a:avLst/>
+          </a:prstGeom>
+          <a:noFill/>
+        </p:spPr>
+        <p:txBody>
+          <a:bodyPr wrap="square" rtlCol="0">
+            <a:spAutoFit/>
+          </a:bodyPr>
+          <a:lstStyle/>
+          <a:p>
+            <a:r>
+              <a:rPr lang="en-US" dirty="0"/>
+              <a:t>Fired</a:t>
+            </a:r>
+          </a:p>
+        </p:txBody>
+      </p:sp>
+      <p:sp>
+        <p:nvSpPr>
+          <p:cNvPr id="10" name="TextBox 9">
+            <a:extLst>
+              <a:ext uri="{FF2B5EF4-FFF2-40B4-BE49-F238E27FC236}">
+                <a16:creationId xmlns:a16="http://schemas.microsoft.com/office/drawing/2014/main" id="{D16B8B1D-4CD2-4D93-89C0-40620A392E0E}"/>
+              </a:ext>
+            </a:extLst>
+          </p:cNvPr>
+          <p:cNvSpPr txBox="1"/>
+          <p:nvPr/>
+        </p:nvSpPr>
+        <p:spPr>
+          <a:xfrm>
+            <a:off x="5721178" y="6308208"/>
+            <a:ext cx="4572000" cy="369332"/>
+          </a:xfrm>
+          <a:prstGeom prst="rect">
+            <a:avLst/>
+          </a:prstGeom>
+          <a:noFill/>
+        </p:spPr>
+        <p:txBody>
+          <a:bodyPr wrap="square">
+            <a:spAutoFit/>
+          </a:bodyPr>
+          <a:lstStyle/>
+          <a:p>
+            <a:r>
+              <a:rPr lang="en-US" dirty="0"/>
+              <a:t>Not-Fired</a:t>
+            </a:r>
+          </a:p>
+        </p:txBody>
+      </p:sp>
+    </p:spTree>
+    <p:extLst>
+      <p:ext uri="{BB962C8B-B14F-4D97-AF65-F5344CB8AC3E}">
+        <p14:creationId xmlns:p14="http://schemas.microsoft.com/office/powerpoint/2010/main" val="319288265"/>
+      </p:ext>
+    </p:extLst>
+  </p:cSld>
+  <p:clrMapOvr>
+    <a:masterClrMapping/>
+  </p:clrMapOvr>
+</p:sld>
+</file>
+
+<file path=ppt/slides/slide37.xml><?xml version="1.0" encoding="utf-8"?>
+<p:sld xmlns:a="http://schemas.openxmlformats.org/drawingml/2006/main" xmlns:r="http://schemas.openxmlformats.org/officeDocument/2006/relationships" xmlns:p="http://schemas.openxmlformats.org/presentationml/2006/main">
+  <p:cSld>
+    <p:spTree>
+      <p:nvGrpSpPr>
+        <p:cNvPr id="1" name=""/>
+        <p:cNvGrpSpPr/>
+        <p:nvPr/>
+      </p:nvGrpSpPr>
+      <p:grpSpPr>
+        <a:xfrm>
+          <a:off x="0" y="0"/>
+          <a:ext cx="0" cy="0"/>
+          <a:chOff x="0" y="0"/>
+          <a:chExt cx="0" cy="0"/>
+        </a:xfrm>
+      </p:grpSpPr>
       <mc:AlternateContent xmlns:mc="http://schemas.openxmlformats.org/markup-compatibility/2006" xmlns:a14="http://schemas.microsoft.com/office/drawing/2010/main">
         <mc:Choice Requires="a14">
           <p:sp>
@@ -12102,7 +12634,7 @@
 </p:sld>
 </file>
 
-<file path=ppt/slides/slide34.xml><?xml version="1.0" encoding="utf-8"?>
+<file path=ppt/slides/slide38.xml><?xml version="1.0" encoding="utf-8"?>
 <p:sld xmlns:a="http://schemas.openxmlformats.org/drawingml/2006/main" xmlns:r="http://schemas.openxmlformats.org/officeDocument/2006/relationships" xmlns:p="http://schemas.openxmlformats.org/presentationml/2006/main">
   <p:cSld>
     <p:spTree>
@@ -12121,6 +12653,164 @@
       </p:grpSpPr>
       <p:sp>
         <p:nvSpPr>
+          <p:cNvPr id="2" name="Title 1">
+            <a:extLst>
+              <a:ext uri="{FF2B5EF4-FFF2-40B4-BE49-F238E27FC236}">
+                <a16:creationId xmlns:a16="http://schemas.microsoft.com/office/drawing/2014/main" id="{9FFEA424-1012-4199-8A91-67D41723ECE4}"/>
+              </a:ext>
+            </a:extLst>
+          </p:cNvPr>
+          <p:cNvSpPr>
+            <a:spLocks noGrp="1"/>
+          </p:cNvSpPr>
+          <p:nvPr>
+            <p:ph type="title"/>
+          </p:nvPr>
+        </p:nvSpPr>
+        <p:spPr/>
+        <p:txBody>
+          <a:bodyPr/>
+          <a:lstStyle/>
+          <a:p>
+            <a:r>
+              <a:rPr lang="en-US" dirty="0"/>
+              <a:t>Question 1 Hypothesis Test</a:t>
+            </a:r>
+          </a:p>
+        </p:txBody>
+      </p:sp>
+      <p:sp>
+        <p:nvSpPr>
+          <p:cNvPr id="3" name="Content Placeholder 2">
+            <a:extLst>
+              <a:ext uri="{FF2B5EF4-FFF2-40B4-BE49-F238E27FC236}">
+                <a16:creationId xmlns:a16="http://schemas.microsoft.com/office/drawing/2014/main" id="{0499C2DE-D51E-4C2E-8A17-D96C42AB4433}"/>
+              </a:ext>
+            </a:extLst>
+          </p:cNvPr>
+          <p:cNvSpPr>
+            <a:spLocks noGrp="1"/>
+          </p:cNvSpPr>
+          <p:nvPr>
+            <p:ph idx="1"/>
+          </p:nvPr>
+        </p:nvSpPr>
+        <p:spPr/>
+        <p:txBody>
+          <a:bodyPr>
+            <a:normAutofit fontScale="92500" lnSpcReduction="10000"/>
+          </a:bodyPr>
+          <a:lstStyle/>
+          <a:p>
+            <a:r>
+              <a:rPr lang="en-US" dirty="0"/>
+              <a:t>Step 1:H_0: </a:t>
+            </a:r>
+            <a:r>
+              <a:rPr lang="en-US" dirty="0" err="1"/>
+              <a:t>mu_fired</a:t>
+            </a:r>
+            <a:r>
+              <a:rPr lang="en-US" dirty="0"/>
+              <a:t> = </a:t>
+            </a:r>
+            <a:r>
+              <a:rPr lang="en-US" dirty="0" err="1"/>
+              <a:t>mu_not_fired</a:t>
+            </a:r>
+            <a:endParaRPr lang="en-US" dirty="0"/>
+          </a:p>
+          <a:p>
+            <a:r>
+              <a:rPr lang="en-US" dirty="0"/>
+              <a:t>Step 2: </a:t>
+            </a:r>
+            <a:r>
+              <a:rPr lang="en-US" dirty="0" err="1"/>
+              <a:t>H_a</a:t>
+            </a:r>
+            <a:r>
+              <a:rPr lang="en-US" dirty="0"/>
+              <a:t> </a:t>
+            </a:r>
+            <a:r>
+              <a:rPr lang="en-US" dirty="0" err="1"/>
+              <a:t>mu_fired</a:t>
+            </a:r>
+            <a:r>
+              <a:rPr lang="en-US" dirty="0"/>
+              <a:t> != </a:t>
+            </a:r>
+            <a:r>
+              <a:rPr lang="en-US" dirty="0" err="1"/>
+              <a:t>mu_not_fired</a:t>
+            </a:r>
+            <a:endParaRPr lang="en-US" dirty="0"/>
+          </a:p>
+          <a:p>
+            <a:r>
+              <a:rPr lang="en-US" dirty="0"/>
+              <a:t>Step 3: TCV: 1.079</a:t>
+            </a:r>
+          </a:p>
+          <a:p>
+            <a:r>
+              <a:rPr lang="en-US" dirty="0"/>
+              <a:t>Step 4: P-value: 0.287</a:t>
+            </a:r>
+          </a:p>
+          <a:p>
+            <a:r>
+              <a:rPr lang="en-US" dirty="0"/>
+              <a:t>Step 5: Conclusion: FTR!</a:t>
+            </a:r>
+          </a:p>
+          <a:p>
+            <a:r>
+              <a:rPr lang="en-US" dirty="0"/>
+              <a:t>Step 6: From the results above we can conclude that there is insufficient evidence to conclude the mean ages of the fired and not fired groups are different.  The 95% CI for the difference is (1.68,5.53).  This was from a random sample, so the scope can be generalized to all members of the population.</a:t>
+            </a:r>
+          </a:p>
+          <a:p>
+            <a:pPr marL="457200" lvl="1" indent="0">
+              <a:buNone/>
+            </a:pPr>
+            <a:endParaRPr lang="en-US" dirty="0"/>
+          </a:p>
+        </p:txBody>
+      </p:sp>
+    </p:spTree>
+    <p:extLst>
+      <p:ext uri="{BB962C8B-B14F-4D97-AF65-F5344CB8AC3E}">
+        <p14:creationId xmlns:p14="http://schemas.microsoft.com/office/powerpoint/2010/main" val="3370129154"/>
+      </p:ext>
+    </p:extLst>
+  </p:cSld>
+  <p:clrMapOvr>
+    <a:masterClrMapping/>
+  </p:clrMapOvr>
+</p:sld>
+</file>
+
+<file path=ppt/slides/slide39.xml><?xml version="1.0" encoding="utf-8"?>
+<p:sld xmlns:a="http://schemas.openxmlformats.org/drawingml/2006/main" xmlns:r="http://schemas.openxmlformats.org/officeDocument/2006/relationships" xmlns:p="http://schemas.openxmlformats.org/presentationml/2006/main">
+  <p:cSld>
+    <p:spTree>
+      <p:nvGrpSpPr>
+        <p:cNvPr id="1" name=""/>
+        <p:cNvGrpSpPr/>
+        <p:nvPr/>
+      </p:nvGrpSpPr>
+      <p:grpSpPr>
+        <a:xfrm>
+          <a:off x="0" y="0"/>
+          <a:ext cx="0" cy="0"/>
+          <a:chOff x="0" y="0"/>
+          <a:chExt cx="0" cy="0"/>
+        </a:xfrm>
+      </p:grpSpPr>
+      <p:sp>
+        <p:nvSpPr>
           <p:cNvPr id="4" name="Rectangle 3">
             <a:extLst>
               <a:ext uri="{FF2B5EF4-FFF2-40B4-BE49-F238E27FC236}">
@@ -12307,7 +12997,146 @@
 </p:sld>
 </file>
 
-<file path=ppt/slides/slide35.xml><?xml version="1.0" encoding="utf-8"?>
+<file path=ppt/slides/slide4.xml><?xml version="1.0" encoding="utf-8"?>
+<p:sld xmlns:a="http://schemas.openxmlformats.org/drawingml/2006/main" xmlns:r="http://schemas.openxmlformats.org/officeDocument/2006/relationships" xmlns:p="http://schemas.openxmlformats.org/presentationml/2006/main">
+  <p:cSld>
+    <p:spTree>
+      <p:nvGrpSpPr>
+        <p:cNvPr id="1" name=""/>
+        <p:cNvGrpSpPr/>
+        <p:nvPr/>
+      </p:nvGrpSpPr>
+      <p:grpSpPr>
+        <a:xfrm>
+          <a:off x="0" y="0"/>
+          <a:ext cx="0" cy="0"/>
+          <a:chOff x="0" y="0"/>
+          <a:chExt cx="0" cy="0"/>
+        </a:xfrm>
+      </p:grpSpPr>
+      <p:sp>
+        <p:nvSpPr>
+          <p:cNvPr id="2" name="Title 1">
+            <a:extLst>
+              <a:ext uri="{FF2B5EF4-FFF2-40B4-BE49-F238E27FC236}">
+                <a16:creationId xmlns:a16="http://schemas.microsoft.com/office/drawing/2014/main" id="{0DCAC29B-47E5-5741-86C1-1B93D85BAC52}"/>
+              </a:ext>
+            </a:extLst>
+          </p:cNvPr>
+          <p:cNvSpPr>
+            <a:spLocks noGrp="1"/>
+          </p:cNvSpPr>
+          <p:nvPr>
+            <p:ph type="title"/>
+          </p:nvPr>
+        </p:nvSpPr>
+        <p:spPr/>
+        <p:txBody>
+          <a:bodyPr/>
+          <a:lstStyle/>
+          <a:p>
+            <a:r>
+              <a:rPr lang="en-US" dirty="0"/>
+              <a:t>Question 1</a:t>
+            </a:r>
+          </a:p>
+        </p:txBody>
+      </p:sp>
+      <p:pic>
+        <p:nvPicPr>
+          <p:cNvPr id="4" name="Picture 3">
+            <a:extLst>
+              <a:ext uri="{FF2B5EF4-FFF2-40B4-BE49-F238E27FC236}">
+                <a16:creationId xmlns:a16="http://schemas.microsoft.com/office/drawing/2014/main" id="{34530001-B6D9-E54A-8897-B7D77E8519EE}"/>
+              </a:ext>
+            </a:extLst>
+          </p:cNvPr>
+          <p:cNvPicPr>
+            <a:picLocks noChangeAspect="1"/>
+          </p:cNvPicPr>
+          <p:nvPr/>
+        </p:nvPicPr>
+        <p:blipFill>
+          <a:blip r:embed="rId2"/>
+          <a:stretch>
+            <a:fillRect/>
+          </a:stretch>
+        </p:blipFill>
+        <p:spPr>
+          <a:xfrm>
+            <a:off x="247650" y="1781243"/>
+            <a:ext cx="8648700" cy="4521200"/>
+          </a:xfrm>
+          <a:prstGeom prst="rect">
+            <a:avLst/>
+          </a:prstGeom>
+        </p:spPr>
+      </p:pic>
+      <mc:AlternateContent xmlns:mc="http://schemas.openxmlformats.org/markup-compatibility/2006" xmlns:p14="http://schemas.microsoft.com/office/powerpoint/2010/main">
+        <mc:Choice Requires="p14">
+          <p:contentPart p14:bwMode="auto" r:id="rId3">
+            <p14:nvContentPartPr>
+              <p14:cNvPr id="6" name="Ink 5">
+                <a:extLst>
+                  <a:ext uri="{FF2B5EF4-FFF2-40B4-BE49-F238E27FC236}">
+                    <a16:creationId xmlns:a16="http://schemas.microsoft.com/office/drawing/2014/main" id="{109CCF71-E1A9-234B-887C-4909B9E7661E}"/>
+                  </a:ext>
+                </a:extLst>
+              </p14:cNvPr>
+              <p14:cNvContentPartPr/>
+              <p14:nvPr/>
+            </p14:nvContentPartPr>
+            <p14:xfrm>
+              <a:off x="716525" y="6043179"/>
+              <a:ext cx="109080" cy="7560"/>
+            </p14:xfrm>
+          </p:contentPart>
+        </mc:Choice>
+        <mc:Fallback xmlns="">
+          <p:pic>
+            <p:nvPicPr>
+              <p:cNvPr id="6" name="Ink 5">
+                <a:extLst>
+                  <a:ext uri="{FF2B5EF4-FFF2-40B4-BE49-F238E27FC236}">
+                    <a16:creationId xmlns:a16="http://schemas.microsoft.com/office/drawing/2014/main" id="{109CCF71-E1A9-234B-887C-4909B9E7661E}"/>
+                  </a:ext>
+                </a:extLst>
+              </p:cNvPr>
+              <p:cNvPicPr/>
+              <p:nvPr/>
+            </p:nvPicPr>
+            <p:blipFill>
+              <a:blip r:embed="rId4"/>
+              <a:stretch>
+                <a:fillRect/>
+              </a:stretch>
+            </p:blipFill>
+            <p:spPr>
+              <a:xfrm>
+                <a:off x="644885" y="5899539"/>
+                <a:ext cx="252720" cy="295200"/>
+              </a:xfrm>
+              <a:prstGeom prst="rect">
+                <a:avLst/>
+              </a:prstGeom>
+            </p:spPr>
+          </p:pic>
+        </mc:Fallback>
+      </mc:AlternateContent>
+    </p:spTree>
+    <p:extLst>
+      <p:ext uri="{BB962C8B-B14F-4D97-AF65-F5344CB8AC3E}">
+        <p14:creationId xmlns:p14="http://schemas.microsoft.com/office/powerpoint/2010/main" val="928437351"/>
+      </p:ext>
+    </p:extLst>
+  </p:cSld>
+  <p:clrMapOvr>
+    <a:masterClrMapping/>
+  </p:clrMapOvr>
+</p:sld>
+</file>
+
+<file path=ppt/slides/slide40.xml><?xml version="1.0" encoding="utf-8"?>
 <p:sld xmlns:a="http://schemas.openxmlformats.org/drawingml/2006/main" xmlns:r="http://schemas.openxmlformats.org/officeDocument/2006/relationships" xmlns:p="http://schemas.openxmlformats.org/presentationml/2006/main">
   <p:cSld>
     <p:spTree>
@@ -12469,7 +13298,7 @@
 </p:sld>
 </file>
 
-<file path=ppt/slides/slide36.xml><?xml version="1.0" encoding="utf-8"?>
+<file path=ppt/slides/slide41.xml><?xml version="1.0" encoding="utf-8"?>
 <p:sld xmlns:a="http://schemas.openxmlformats.org/drawingml/2006/main" xmlns:r="http://schemas.openxmlformats.org/officeDocument/2006/relationships" xmlns:p="http://schemas.openxmlformats.org/presentationml/2006/main">
   <p:cSld>
     <p:spTree>
@@ -12530,7 +13359,7 @@
           <a:p>
             <a:fld id="{240F1BDB-6CE4-495C-AC30-106FDA64768F}" type="slidenum">
               <a:rPr lang="en-US" smtClean="0"/>
-              <a:t>36</a:t>
+              <a:t>41</a:t>
             </a:fld>
             <a:endParaRPr lang="en-US" dirty="0"/>
           </a:p>
@@ -12549,7 +13378,7 @@
 </p:sld>
 </file>
 
-<file path=ppt/slides/slide37.xml><?xml version="1.0" encoding="utf-8"?>
+<file path=ppt/slides/slide42.xml><?xml version="1.0" encoding="utf-8"?>
 <p:sld xmlns:a="http://schemas.openxmlformats.org/drawingml/2006/main" xmlns:r="http://schemas.openxmlformats.org/officeDocument/2006/relationships" xmlns:p="http://schemas.openxmlformats.org/presentationml/2006/main">
   <p:cSld>
     <p:spTree>
@@ -12661,7 +13490,7 @@
 </p:sld>
 </file>
 
-<file path=ppt/slides/slide38.xml><?xml version="1.0" encoding="utf-8"?>
+<file path=ppt/slides/slide43.xml><?xml version="1.0" encoding="utf-8"?>
 <p:sld xmlns:a="http://schemas.openxmlformats.org/drawingml/2006/main" xmlns:r="http://schemas.openxmlformats.org/officeDocument/2006/relationships" xmlns:p="http://schemas.openxmlformats.org/presentationml/2006/main">
   <p:cSld>
     <p:spTree>
@@ -12762,7 +13591,7 @@
 </p:sld>
 </file>
 
-<file path=ppt/slides/slide39.xml><?xml version="1.0" encoding="utf-8"?>
+<file path=ppt/slides/slide44.xml><?xml version="1.0" encoding="utf-8"?>
 <p:sld xmlns:a="http://schemas.openxmlformats.org/drawingml/2006/main" xmlns:r="http://schemas.openxmlformats.org/officeDocument/2006/relationships" xmlns:p="http://schemas.openxmlformats.org/presentationml/2006/main">
   <p:cSld>
     <p:spTree>
@@ -12851,146 +13680,7 @@
 </p:sld>
 </file>
 
-<file path=ppt/slides/slide4.xml><?xml version="1.0" encoding="utf-8"?>
-<p:sld xmlns:a="http://schemas.openxmlformats.org/drawingml/2006/main" xmlns:r="http://schemas.openxmlformats.org/officeDocument/2006/relationships" xmlns:p="http://schemas.openxmlformats.org/presentationml/2006/main">
-  <p:cSld>
-    <p:spTree>
-      <p:nvGrpSpPr>
-        <p:cNvPr id="1" name=""/>
-        <p:cNvGrpSpPr/>
-        <p:nvPr/>
-      </p:nvGrpSpPr>
-      <p:grpSpPr>
-        <a:xfrm>
-          <a:off x="0" y="0"/>
-          <a:ext cx="0" cy="0"/>
-          <a:chOff x="0" y="0"/>
-          <a:chExt cx="0" cy="0"/>
-        </a:xfrm>
-      </p:grpSpPr>
-      <p:sp>
-        <p:nvSpPr>
-          <p:cNvPr id="2" name="Title 1">
-            <a:extLst>
-              <a:ext uri="{FF2B5EF4-FFF2-40B4-BE49-F238E27FC236}">
-                <a16:creationId xmlns:a16="http://schemas.microsoft.com/office/drawing/2014/main" id="{0DCAC29B-47E5-5741-86C1-1B93D85BAC52}"/>
-              </a:ext>
-            </a:extLst>
-          </p:cNvPr>
-          <p:cNvSpPr>
-            <a:spLocks noGrp="1"/>
-          </p:cNvSpPr>
-          <p:nvPr>
-            <p:ph type="title"/>
-          </p:nvPr>
-        </p:nvSpPr>
-        <p:spPr/>
-        <p:txBody>
-          <a:bodyPr/>
-          <a:lstStyle/>
-          <a:p>
-            <a:r>
-              <a:rPr lang="en-US" dirty="0"/>
-              <a:t>Question 1</a:t>
-            </a:r>
-          </a:p>
-        </p:txBody>
-      </p:sp>
-      <p:pic>
-        <p:nvPicPr>
-          <p:cNvPr id="4" name="Picture 3">
-            <a:extLst>
-              <a:ext uri="{FF2B5EF4-FFF2-40B4-BE49-F238E27FC236}">
-                <a16:creationId xmlns:a16="http://schemas.microsoft.com/office/drawing/2014/main" id="{34530001-B6D9-E54A-8897-B7D77E8519EE}"/>
-              </a:ext>
-            </a:extLst>
-          </p:cNvPr>
-          <p:cNvPicPr>
-            <a:picLocks noChangeAspect="1"/>
-          </p:cNvPicPr>
-          <p:nvPr/>
-        </p:nvPicPr>
-        <p:blipFill>
-          <a:blip r:embed="rId2"/>
-          <a:stretch>
-            <a:fillRect/>
-          </a:stretch>
-        </p:blipFill>
-        <p:spPr>
-          <a:xfrm>
-            <a:off x="247650" y="1781243"/>
-            <a:ext cx="8648700" cy="4521200"/>
-          </a:xfrm>
-          <a:prstGeom prst="rect">
-            <a:avLst/>
-          </a:prstGeom>
-        </p:spPr>
-      </p:pic>
-      <mc:AlternateContent xmlns:mc="http://schemas.openxmlformats.org/markup-compatibility/2006">
-        <mc:Choice xmlns:p14="http://schemas.microsoft.com/office/powerpoint/2010/main" Requires="p14">
-          <p:contentPart p14:bwMode="auto" r:id="rId3">
-            <p14:nvContentPartPr>
-              <p14:cNvPr id="6" name="Ink 5">
-                <a:extLst>
-                  <a:ext uri="{FF2B5EF4-FFF2-40B4-BE49-F238E27FC236}">
-                    <a16:creationId xmlns:a16="http://schemas.microsoft.com/office/drawing/2014/main" id="{109CCF71-E1A9-234B-887C-4909B9E7661E}"/>
-                  </a:ext>
-                </a:extLst>
-              </p14:cNvPr>
-              <p14:cNvContentPartPr/>
-              <p14:nvPr/>
-            </p14:nvContentPartPr>
-            <p14:xfrm>
-              <a:off x="716525" y="6043179"/>
-              <a:ext cx="109080" cy="7560"/>
-            </p14:xfrm>
-          </p:contentPart>
-        </mc:Choice>
-        <mc:Fallback>
-          <p:pic>
-            <p:nvPicPr>
-              <p:cNvPr id="6" name="Ink 5">
-                <a:extLst>
-                  <a:ext uri="{FF2B5EF4-FFF2-40B4-BE49-F238E27FC236}">
-                    <a16:creationId xmlns:a16="http://schemas.microsoft.com/office/drawing/2014/main" id="{109CCF71-E1A9-234B-887C-4909B9E7661E}"/>
-                  </a:ext>
-                </a:extLst>
-              </p:cNvPr>
-              <p:cNvPicPr/>
-              <p:nvPr/>
-            </p:nvPicPr>
-            <p:blipFill>
-              <a:blip r:embed="rId4"/>
-              <a:stretch>
-                <a:fillRect/>
-              </a:stretch>
-            </p:blipFill>
-            <p:spPr>
-              <a:xfrm>
-                <a:off x="644885" y="5899539"/>
-                <a:ext cx="252720" cy="295200"/>
-              </a:xfrm>
-              <a:prstGeom prst="rect">
-                <a:avLst/>
-              </a:prstGeom>
-            </p:spPr>
-          </p:pic>
-        </mc:Fallback>
-      </mc:AlternateContent>
-    </p:spTree>
-    <p:extLst>
-      <p:ext uri="{BB962C8B-B14F-4D97-AF65-F5344CB8AC3E}">
-        <p14:creationId xmlns:p14="http://schemas.microsoft.com/office/powerpoint/2010/main" val="928437351"/>
-      </p:ext>
-    </p:extLst>
-  </p:cSld>
-  <p:clrMapOvr>
-    <a:masterClrMapping/>
-  </p:clrMapOvr>
-</p:sld>
-</file>
-
-<file path=ppt/slides/slide40.xml><?xml version="1.0" encoding="utf-8"?>
+<file path=ppt/slides/slide45.xml><?xml version="1.0" encoding="utf-8"?>
 <p:sld xmlns:a="http://schemas.openxmlformats.org/drawingml/2006/main" xmlns:r="http://schemas.openxmlformats.org/officeDocument/2006/relationships" xmlns:p="http://schemas.openxmlformats.org/presentationml/2006/main">
   <p:cSld>
     <p:spTree>
@@ -13156,7 +13846,7 @@
 </p:sld>
 </file>
 
-<file path=ppt/slides/slide41.xml><?xml version="1.0" encoding="utf-8"?>
+<file path=ppt/slides/slide46.xml><?xml version="1.0" encoding="utf-8"?>
 <p:sld xmlns:a="http://schemas.openxmlformats.org/drawingml/2006/main" xmlns:r="http://schemas.openxmlformats.org/officeDocument/2006/relationships" xmlns:p="http://schemas.openxmlformats.org/presentationml/2006/main">
   <p:cSld>
     <p:spTree>
@@ -13348,7 +14038,7 @@
 </p:sld>
 </file>
 
-<file path=ppt/slides/slide42.xml><?xml version="1.0" encoding="utf-8"?>
+<file path=ppt/slides/slide47.xml><?xml version="1.0" encoding="utf-8"?>
 <p:sld xmlns:a="http://schemas.openxmlformats.org/drawingml/2006/main" xmlns:r="http://schemas.openxmlformats.org/officeDocument/2006/relationships" xmlns:p="http://schemas.openxmlformats.org/presentationml/2006/main">
   <p:cSld>
     <p:spTree>
@@ -14972,7 +15662,7 @@
 </p:sld>
 </file>
 
-<file path=ppt/slides/slide43.xml><?xml version="1.0" encoding="utf-8"?>
+<file path=ppt/slides/slide48.xml><?xml version="1.0" encoding="utf-8"?>
 <p:sld xmlns:a="http://schemas.openxmlformats.org/drawingml/2006/main" xmlns:r="http://schemas.openxmlformats.org/officeDocument/2006/relationships" xmlns:p="http://schemas.openxmlformats.org/presentationml/2006/main">
   <p:cSld>
     <p:spTree>
@@ -15084,7 +15774,7 @@
 </p:sld>
 </file>
 
-<file path=ppt/slides/slide44.xml><?xml version="1.0" encoding="utf-8"?>
+<file path=ppt/slides/slide49.xml><?xml version="1.0" encoding="utf-8"?>
 <p:sld xmlns:a="http://schemas.openxmlformats.org/drawingml/2006/main" xmlns:r="http://schemas.openxmlformats.org/officeDocument/2006/relationships" xmlns:p="http://schemas.openxmlformats.org/presentationml/2006/main" show="0">
   <p:cSld>
     <p:spTree>
@@ -15201,7 +15891,7 @@
           <a:graphicData uri="http://schemas.openxmlformats.org/presentationml/2006/ole">
             <mc:AlternateContent xmlns:mc="http://schemas.openxmlformats.org/markup-compatibility/2006">
               <mc:Choice xmlns:v="urn:schemas-microsoft-com:vml" Requires="v">
-                <p:oleObj spid="_x0000_s1030" name="Graph Sheet" r:id="rId4" imgW="3352680" imgH="2590560" progId="SPLUSGraphSheetFileType">
+                <p:oleObj spid="_x0000_s1032" name="Graph Sheet" r:id="rId4" imgW="3352680" imgH="2590560" progId="SPLUSGraphSheetFileType">
                   <p:embed/>
                 </p:oleObj>
               </mc:Choice>
@@ -15355,7 +16045,7 @@
 </p:sld>
 </file>
 
-<file path=ppt/slides/slide45.xml><?xml version="1.0" encoding="utf-8"?>
+<file path=ppt/slides/slide5.xml><?xml version="1.0" encoding="utf-8"?>
 <p:sld xmlns:a="http://schemas.openxmlformats.org/drawingml/2006/main" xmlns:r="http://schemas.openxmlformats.org/officeDocument/2006/relationships" xmlns:p="http://schemas.openxmlformats.org/presentationml/2006/main">
   <p:cSld>
     <p:spTree>
@@ -15374,6 +16064,196 @@
       </p:grpSpPr>
       <p:sp>
         <p:nvSpPr>
+          <p:cNvPr id="2" name="Title 1">
+            <a:extLst>
+              <a:ext uri="{FF2B5EF4-FFF2-40B4-BE49-F238E27FC236}">
+                <a16:creationId xmlns:a16="http://schemas.microsoft.com/office/drawing/2014/main" id="{0DCAC29B-47E5-5741-86C1-1B93D85BAC52}"/>
+              </a:ext>
+            </a:extLst>
+          </p:cNvPr>
+          <p:cNvSpPr>
+            <a:spLocks noGrp="1"/>
+          </p:cNvSpPr>
+          <p:nvPr>
+            <p:ph type="title"/>
+          </p:nvPr>
+        </p:nvSpPr>
+        <p:spPr/>
+        <p:txBody>
+          <a:bodyPr/>
+          <a:lstStyle/>
+          <a:p>
+            <a:r>
+              <a:rPr lang="en-US" dirty="0"/>
+              <a:t>Question 2</a:t>
+            </a:r>
+          </a:p>
+        </p:txBody>
+      </p:sp>
+      <p:pic>
+        <p:nvPicPr>
+          <p:cNvPr id="3" name="Picture 2">
+            <a:extLst>
+              <a:ext uri="{FF2B5EF4-FFF2-40B4-BE49-F238E27FC236}">
+                <a16:creationId xmlns:a16="http://schemas.microsoft.com/office/drawing/2014/main" id="{10F5748F-B5E4-C240-B532-E49472DAD56C}"/>
+              </a:ext>
+            </a:extLst>
+          </p:cNvPr>
+          <p:cNvPicPr>
+            <a:picLocks noChangeAspect="1"/>
+          </p:cNvPicPr>
+          <p:nvPr/>
+        </p:nvPicPr>
+        <p:blipFill>
+          <a:blip r:embed="rId2"/>
+          <a:stretch>
+            <a:fillRect/>
+          </a:stretch>
+        </p:blipFill>
+        <p:spPr>
+          <a:xfrm>
+            <a:off x="457200" y="1803400"/>
+            <a:ext cx="8229600" cy="3251200"/>
+          </a:xfrm>
+          <a:prstGeom prst="rect">
+            <a:avLst/>
+          </a:prstGeom>
+        </p:spPr>
+      </p:pic>
+      <mc:AlternateContent xmlns:mc="http://schemas.openxmlformats.org/markup-compatibility/2006" xmlns:p14="http://schemas.microsoft.com/office/powerpoint/2010/main">
+        <mc:Choice Requires="p14">
+          <p:contentPart p14:bwMode="auto" r:id="rId3">
+            <p14:nvContentPartPr>
+              <p14:cNvPr id="4" name="Ink 3">
+                <a:extLst>
+                  <a:ext uri="{FF2B5EF4-FFF2-40B4-BE49-F238E27FC236}">
+                    <a16:creationId xmlns:a16="http://schemas.microsoft.com/office/drawing/2014/main" id="{CD69425B-BEA0-3241-8BE6-083A195B4B51}"/>
+                  </a:ext>
+                </a:extLst>
+              </p14:cNvPr>
+              <p14:cNvContentPartPr/>
+              <p14:nvPr/>
+            </p14:nvContentPartPr>
+            <p14:xfrm>
+              <a:off x="739925" y="3457299"/>
+              <a:ext cx="262080" cy="360"/>
+            </p14:xfrm>
+          </p:contentPart>
+        </mc:Choice>
+        <mc:Fallback xmlns="">
+          <p:pic>
+            <p:nvPicPr>
+              <p:cNvPr id="4" name="Ink 3">
+                <a:extLst>
+                  <a:ext uri="{FF2B5EF4-FFF2-40B4-BE49-F238E27FC236}">
+                    <a16:creationId xmlns:a16="http://schemas.microsoft.com/office/drawing/2014/main" id="{CD69425B-BEA0-3241-8BE6-083A195B4B51}"/>
+                  </a:ext>
+                </a:extLst>
+              </p:cNvPr>
+              <p:cNvPicPr/>
+              <p:nvPr/>
+            </p:nvPicPr>
+            <p:blipFill>
+              <a:blip r:embed="rId4"/>
+              <a:stretch>
+                <a:fillRect/>
+              </a:stretch>
+            </p:blipFill>
+            <p:spPr>
+              <a:xfrm>
+                <a:off x="667925" y="3313659"/>
+                <a:ext cx="405720" cy="288000"/>
+              </a:xfrm>
+              <a:prstGeom prst="rect">
+                <a:avLst/>
+              </a:prstGeom>
+            </p:spPr>
+          </p:pic>
+        </mc:Fallback>
+      </mc:AlternateContent>
+      <mc:AlternateContent xmlns:mc="http://schemas.openxmlformats.org/markup-compatibility/2006">
+        <mc:Choice xmlns:p14="http://schemas.microsoft.com/office/powerpoint/2010/main" Requires="p14">
+          <p:contentPart p14:bwMode="auto" r:id="rId5">
+            <p14:nvContentPartPr>
+              <p14:cNvPr id="5" name="Ink 4">
+                <a:extLst>
+                  <a:ext uri="{FF2B5EF4-FFF2-40B4-BE49-F238E27FC236}">
+                    <a16:creationId xmlns:a16="http://schemas.microsoft.com/office/drawing/2014/main" id="{1613CE04-61DB-4253-99C4-25621BDBA4B4}"/>
+                  </a:ext>
+                </a:extLst>
+              </p14:cNvPr>
+              <p14:cNvContentPartPr/>
+              <p14:nvPr/>
+            </p14:nvContentPartPr>
+            <p14:xfrm>
+              <a:off x="761285" y="3877923"/>
+              <a:ext cx="262080" cy="360"/>
+            </p14:xfrm>
+          </p:contentPart>
+        </mc:Choice>
+        <mc:Fallback>
+          <p:pic>
+            <p:nvPicPr>
+              <p:cNvPr id="5" name="Ink 4">
+                <a:extLst>
+                  <a:ext uri="{FF2B5EF4-FFF2-40B4-BE49-F238E27FC236}">
+                    <a16:creationId xmlns:a16="http://schemas.microsoft.com/office/drawing/2014/main" id="{1613CE04-61DB-4253-99C4-25621BDBA4B4}"/>
+                  </a:ext>
+                </a:extLst>
+              </p:cNvPr>
+              <p:cNvPicPr/>
+              <p:nvPr/>
+            </p:nvPicPr>
+            <p:blipFill>
+              <a:blip r:embed="rId6"/>
+              <a:stretch>
+                <a:fillRect/>
+              </a:stretch>
+            </p:blipFill>
+            <p:spPr>
+              <a:xfrm>
+                <a:off x="689384" y="3733923"/>
+                <a:ext cx="405523" cy="288000"/>
+              </a:xfrm>
+              <a:prstGeom prst="rect">
+                <a:avLst/>
+              </a:prstGeom>
+            </p:spPr>
+          </p:pic>
+        </mc:Fallback>
+      </mc:AlternateContent>
+    </p:spTree>
+    <p:extLst>
+      <p:ext uri="{BB962C8B-B14F-4D97-AF65-F5344CB8AC3E}">
+        <p14:creationId xmlns:p14="http://schemas.microsoft.com/office/powerpoint/2010/main" val="2547313575"/>
+      </p:ext>
+    </p:extLst>
+  </p:cSld>
+  <p:clrMapOvr>
+    <a:masterClrMapping/>
+  </p:clrMapOvr>
+</p:sld>
+</file>
+
+<file path=ppt/slides/slide50.xml><?xml version="1.0" encoding="utf-8"?>
+<p:sld xmlns:a="http://schemas.openxmlformats.org/drawingml/2006/main" xmlns:r="http://schemas.openxmlformats.org/officeDocument/2006/relationships" xmlns:p="http://schemas.openxmlformats.org/presentationml/2006/main">
+  <p:cSld>
+    <p:spTree>
+      <p:nvGrpSpPr>
+        <p:cNvPr id="1" name=""/>
+        <p:cNvGrpSpPr/>
+        <p:nvPr/>
+      </p:nvGrpSpPr>
+      <p:grpSpPr>
+        <a:xfrm>
+          <a:off x="0" y="0"/>
+          <a:ext cx="0" cy="0"/>
+          <a:chOff x="0" y="0"/>
+          <a:chExt cx="0" cy="0"/>
+        </a:xfrm>
+      </p:grpSpPr>
+      <p:sp>
+        <p:nvSpPr>
           <p:cNvPr id="2" name="Title 1"/>
           <p:cNvSpPr>
             <a:spLocks noGrp="1"/>
@@ -15479,7 +16359,7 @@
           <a:p>
             <a:fld id="{240F1BDB-6CE4-495C-AC30-106FDA64768F}" type="slidenum">
               <a:rPr lang="en-US" smtClean="0"/>
-              <a:t>45</a:t>
+              <a:t>50</a:t>
             </a:fld>
             <a:endParaRPr lang="en-US" dirty="0"/>
           </a:p>
@@ -15840,7 +16720,7 @@
 </p:sld>
 </file>
 
-<file path=ppt/slides/slide46.xml><?xml version="1.0" encoding="utf-8"?>
+<file path=ppt/slides/slide51.xml><?xml version="1.0" encoding="utf-8"?>
 <p:sld xmlns:a="http://schemas.openxmlformats.org/drawingml/2006/main" xmlns:r="http://schemas.openxmlformats.org/officeDocument/2006/relationships" xmlns:p="http://schemas.openxmlformats.org/presentationml/2006/main">
   <p:cSld>
     <p:spTree>
@@ -15911,6 +16791,41 @@
               <a:t>Please provide your takeaways (at least 4) from this unit and any question you may have. </a:t>
             </a:r>
           </a:p>
+          <a:p>
+            <a:r>
+              <a:rPr lang="en-US" dirty="0"/>
+              <a:t>When two use one sided vs two-sided tests?</a:t>
+            </a:r>
+          </a:p>
+          <a:p>
+            <a:r>
+              <a:rPr lang="en-US" dirty="0"/>
+              <a:t>A good conclusion for when a confidence interval contains zero.</a:t>
+            </a:r>
+          </a:p>
+          <a:p>
+            <a:r>
+              <a:rPr lang="en-US" dirty="0"/>
+              <a:t>Alternatives to t-test</a:t>
+            </a:r>
+          </a:p>
+          <a:p>
+            <a:r>
+              <a:rPr lang="en-US" dirty="0"/>
+              <a:t>Mathematical basis for </a:t>
+            </a:r>
+            <a:r>
+              <a:rPr lang="en-US"/>
+              <a:t>log transform.</a:t>
+            </a:r>
+            <a:endParaRPr lang="en-US" dirty="0"/>
+          </a:p>
+          <a:p>
+            <a:endParaRPr lang="en-US" dirty="0"/>
+          </a:p>
+          <a:p>
+            <a:endParaRPr lang="en-US" dirty="0"/>
+          </a:p>
         </p:txBody>
       </p:sp>
     </p:spTree>
@@ -15926,7 +16841,7 @@
 </p:sld>
 </file>
 
-<file path=ppt/slides/slide47.xml><?xml version="1.0" encoding="utf-8"?>
+<file path=ppt/slides/slide52.xml><?xml version="1.0" encoding="utf-8"?>
 <p:sld xmlns:a="http://schemas.openxmlformats.org/drawingml/2006/main" xmlns:r="http://schemas.openxmlformats.org/officeDocument/2006/relationships" xmlns:p="http://schemas.openxmlformats.org/presentationml/2006/main">
   <p:cSld>
     <p:spTree>
@@ -16009,7 +16924,7 @@
 </p:sld>
 </file>
 
-<file path=ppt/slides/slide48.xml><?xml version="1.0" encoding="utf-8"?>
+<file path=ppt/slides/slide53.xml><?xml version="1.0" encoding="utf-8"?>
 <p:sld xmlns:a="http://schemas.openxmlformats.org/drawingml/2006/main" xmlns:r="http://schemas.openxmlformats.org/officeDocument/2006/relationships" xmlns:p="http://schemas.openxmlformats.org/presentationml/2006/main">
   <p:cSld>
     <p:spTree>
@@ -16083,145 +16998,6 @@
     <p:extLst>
       <p:ext uri="{BB962C8B-B14F-4D97-AF65-F5344CB8AC3E}">
         <p14:creationId xmlns:p14="http://schemas.microsoft.com/office/powerpoint/2010/main" val="3370822913"/>
-      </p:ext>
-    </p:extLst>
-  </p:cSld>
-  <p:clrMapOvr>
-    <a:masterClrMapping/>
-  </p:clrMapOvr>
-</p:sld>
-</file>
-
-<file path=ppt/slides/slide5.xml><?xml version="1.0" encoding="utf-8"?>
-<p:sld xmlns:a="http://schemas.openxmlformats.org/drawingml/2006/main" xmlns:r="http://schemas.openxmlformats.org/officeDocument/2006/relationships" xmlns:p="http://schemas.openxmlformats.org/presentationml/2006/main">
-  <p:cSld>
-    <p:spTree>
-      <p:nvGrpSpPr>
-        <p:cNvPr id="1" name=""/>
-        <p:cNvGrpSpPr/>
-        <p:nvPr/>
-      </p:nvGrpSpPr>
-      <p:grpSpPr>
-        <a:xfrm>
-          <a:off x="0" y="0"/>
-          <a:ext cx="0" cy="0"/>
-          <a:chOff x="0" y="0"/>
-          <a:chExt cx="0" cy="0"/>
-        </a:xfrm>
-      </p:grpSpPr>
-      <p:sp>
-        <p:nvSpPr>
-          <p:cNvPr id="2" name="Title 1">
-            <a:extLst>
-              <a:ext uri="{FF2B5EF4-FFF2-40B4-BE49-F238E27FC236}">
-                <a16:creationId xmlns:a16="http://schemas.microsoft.com/office/drawing/2014/main" id="{0DCAC29B-47E5-5741-86C1-1B93D85BAC52}"/>
-              </a:ext>
-            </a:extLst>
-          </p:cNvPr>
-          <p:cNvSpPr>
-            <a:spLocks noGrp="1"/>
-          </p:cNvSpPr>
-          <p:nvPr>
-            <p:ph type="title"/>
-          </p:nvPr>
-        </p:nvSpPr>
-        <p:spPr/>
-        <p:txBody>
-          <a:bodyPr/>
-          <a:lstStyle/>
-          <a:p>
-            <a:r>
-              <a:rPr lang="en-US" dirty="0"/>
-              <a:t>Question 2</a:t>
-            </a:r>
-          </a:p>
-        </p:txBody>
-      </p:sp>
-      <p:pic>
-        <p:nvPicPr>
-          <p:cNvPr id="3" name="Picture 2">
-            <a:extLst>
-              <a:ext uri="{FF2B5EF4-FFF2-40B4-BE49-F238E27FC236}">
-                <a16:creationId xmlns:a16="http://schemas.microsoft.com/office/drawing/2014/main" id="{10F5748F-B5E4-C240-B532-E49472DAD56C}"/>
-              </a:ext>
-            </a:extLst>
-          </p:cNvPr>
-          <p:cNvPicPr>
-            <a:picLocks noChangeAspect="1"/>
-          </p:cNvPicPr>
-          <p:nvPr/>
-        </p:nvPicPr>
-        <p:blipFill>
-          <a:blip r:embed="rId2"/>
-          <a:stretch>
-            <a:fillRect/>
-          </a:stretch>
-        </p:blipFill>
-        <p:spPr>
-          <a:xfrm>
-            <a:off x="457200" y="1803400"/>
-            <a:ext cx="8229600" cy="3251200"/>
-          </a:xfrm>
-          <a:prstGeom prst="rect">
-            <a:avLst/>
-          </a:prstGeom>
-        </p:spPr>
-      </p:pic>
-      <mc:AlternateContent xmlns:mc="http://schemas.openxmlformats.org/markup-compatibility/2006">
-        <mc:Choice xmlns:p14="http://schemas.microsoft.com/office/powerpoint/2010/main" Requires="p14">
-          <p:contentPart p14:bwMode="auto" r:id="rId3">
-            <p14:nvContentPartPr>
-              <p14:cNvPr id="4" name="Ink 3">
-                <a:extLst>
-                  <a:ext uri="{FF2B5EF4-FFF2-40B4-BE49-F238E27FC236}">
-                    <a16:creationId xmlns:a16="http://schemas.microsoft.com/office/drawing/2014/main" id="{CD69425B-BEA0-3241-8BE6-083A195B4B51}"/>
-                  </a:ext>
-                </a:extLst>
-              </p14:cNvPr>
-              <p14:cNvContentPartPr/>
-              <p14:nvPr/>
-            </p14:nvContentPartPr>
-            <p14:xfrm>
-              <a:off x="739925" y="3457299"/>
-              <a:ext cx="262080" cy="360"/>
-            </p14:xfrm>
-          </p:contentPart>
-        </mc:Choice>
-        <mc:Fallback>
-          <p:pic>
-            <p:nvPicPr>
-              <p:cNvPr id="4" name="Ink 3">
-                <a:extLst>
-                  <a:ext uri="{FF2B5EF4-FFF2-40B4-BE49-F238E27FC236}">
-                    <a16:creationId xmlns:a16="http://schemas.microsoft.com/office/drawing/2014/main" id="{CD69425B-BEA0-3241-8BE6-083A195B4B51}"/>
-                  </a:ext>
-                </a:extLst>
-              </p:cNvPr>
-              <p:cNvPicPr/>
-              <p:nvPr/>
-            </p:nvPicPr>
-            <p:blipFill>
-              <a:blip r:embed="rId4"/>
-              <a:stretch>
-                <a:fillRect/>
-              </a:stretch>
-            </p:blipFill>
-            <p:spPr>
-              <a:xfrm>
-                <a:off x="667925" y="3313659"/>
-                <a:ext cx="405720" cy="288000"/>
-              </a:xfrm>
-              <a:prstGeom prst="rect">
-                <a:avLst/>
-              </a:prstGeom>
-            </p:spPr>
-          </p:pic>
-        </mc:Fallback>
-      </mc:AlternateContent>
-    </p:spTree>
-    <p:extLst>
-      <p:ext uri="{BB962C8B-B14F-4D97-AF65-F5344CB8AC3E}">
-        <p14:creationId xmlns:p14="http://schemas.microsoft.com/office/powerpoint/2010/main" val="2547313575"/>
       </p:ext>
     </p:extLst>
   </p:cSld>
@@ -16306,8 +17082,8 @@
           </a:prstGeom>
         </p:spPr>
       </p:pic>
-      <mc:AlternateContent xmlns:mc="http://schemas.openxmlformats.org/markup-compatibility/2006">
-        <mc:Choice xmlns:p14="http://schemas.microsoft.com/office/powerpoint/2010/main" Requires="p14">
+      <mc:AlternateContent xmlns:mc="http://schemas.openxmlformats.org/markup-compatibility/2006" xmlns:p14="http://schemas.microsoft.com/office/powerpoint/2010/main">
+        <mc:Choice Requires="p14">
           <p:contentPart p14:bwMode="auto" r:id="rId3">
             <p14:nvContentPartPr>
               <p14:cNvPr id="6" name="Ink 5">
@@ -16326,7 +17102,7 @@
             </p14:xfrm>
           </p:contentPart>
         </mc:Choice>
-        <mc:Fallback>
+        <mc:Fallback xmlns="">
           <p:pic>
             <p:nvPicPr>
               <p:cNvPr id="6" name="Ink 5">
@@ -16445,8 +17221,8 @@
           </a:prstGeom>
         </p:spPr>
       </p:pic>
-      <mc:AlternateContent xmlns:mc="http://schemas.openxmlformats.org/markup-compatibility/2006">
-        <mc:Choice xmlns:p14="http://schemas.microsoft.com/office/powerpoint/2010/main" Requires="p14">
+      <mc:AlternateContent xmlns:mc="http://schemas.openxmlformats.org/markup-compatibility/2006" xmlns:p14="http://schemas.microsoft.com/office/powerpoint/2010/main">
+        <mc:Choice Requires="p14">
           <p:contentPart p14:bwMode="auto" r:id="rId3">
             <p14:nvContentPartPr>
               <p14:cNvPr id="3" name="Ink 2">
@@ -16465,7 +17241,7 @@
             </p14:xfrm>
           </p:contentPart>
         </mc:Choice>
-        <mc:Fallback>
+        <mc:Fallback xmlns="">
           <p:pic>
             <p:nvPicPr>
               <p:cNvPr id="3" name="Ink 2">
